--- a/Doc/PvB BackyardBBQ.pptx
+++ b/Doc/PvB BackyardBBQ.pptx
@@ -5,10 +5,10 @@
     <p:sldMasterId id="2147483660" r:id="rId4"/>
   </p:sldMasterIdLst>
   <p:notesMasterIdLst>
-    <p:notesMasterId r:id="rId10"/>
+    <p:notesMasterId r:id="rId12"/>
   </p:notesMasterIdLst>
   <p:handoutMasterIdLst>
-    <p:handoutMasterId r:id="rId11"/>
+    <p:handoutMasterId r:id="rId13"/>
   </p:handoutMasterIdLst>
   <p:sldIdLst>
     <p:sldId id="298" r:id="rId5"/>
@@ -16,6 +16,8 @@
     <p:sldId id="301" r:id="rId7"/>
     <p:sldId id="302" r:id="rId8"/>
     <p:sldId id="303" r:id="rId9"/>
+    <p:sldId id="304" r:id="rId10"/>
+    <p:sldId id="305" r:id="rId11"/>
   </p:sldIdLst>
   <p:sldSz cx="12192000" cy="6858000"/>
   <p:notesSz cx="6858000" cy="9144000"/>
@@ -128,6 +130,7 @@
 <file path=ppt/authors.xml><?xml version="1.0" encoding="utf-8"?>
 <p188:authorLst xmlns:a="http://schemas.openxmlformats.org/drawingml/2006/main" xmlns:r="http://schemas.openxmlformats.org/officeDocument/2006/relationships" xmlns:p188="http://schemas.microsoft.com/office/powerpoint/2018/8/main">
   <p188:author id="{2FF6D986-6C71-F4DE-B3F4-6A2A9B05F273}" name="Ricardo Bettonvil" initials="RB" userId="Ricardo Bettonvil" providerId="None"/>
+  <p188:author id="{07B76DFC-1DF1-D28A-4C9D-D42BAFB63D87}" name="ricardo Bettonvil" initials="rB" userId="aca168021eed2677" providerId="Windows Live"/>
 </p188:authorLst>
 </file>
 
@@ -139,7 +142,7 @@
       <pc:sldMk xmlns:pc="http://schemas.microsoft.com/office/powerpoint/2013/main/command" cId="2544237944" sldId="301"/>
       <ac:spMk id="3" creationId="{D80669BA-472D-745D-9B3A-048C95CF6618}"/>
       <ac:txMk cp="0" len="41">
-        <ac:context len="88" hash="2562464429"/>
+        <ac:context len="89" hash="2956948635"/>
       </ac:txMk>
     </ac:txMkLst>
     <p188:pos x="4568229" y="267354"/>
@@ -160,7 +163,7 @@
       <pc:sldMk xmlns:pc="http://schemas.microsoft.com/office/powerpoint/2013/main/command" cId="2544237944" sldId="301"/>
       <ac:spMk id="3" creationId="{D80669BA-472D-745D-9B3A-048C95CF6618}"/>
       <ac:txMk cp="42" len="24">
-        <ac:context len="88" hash="2562464429"/>
+        <ac:context len="89" hash="2956948635"/>
       </ac:txMk>
     </ac:txMkLst>
     <p188:pos x="2777136" y="616146"/>
@@ -247,7 +250,7 @@
       <pc:sldMk xmlns:pc="http://schemas.microsoft.com/office/powerpoint/2013/main/command" cId="1365861572" sldId="303"/>
       <ac:spMk id="3" creationId="{A52E87C6-BCBA-B067-BE4C-9511D1B74D77}"/>
       <ac:txMk cp="0" len="54">
-        <ac:context len="69" hash="2130122888"/>
+        <ac:context len="95" hash="1933400474"/>
       </ac:txMk>
     </ac:txMkLst>
     <p188:pos x="5784287" y="267354"/>
@@ -258,6 +261,184 @@
         <a:r>
           <a:rPr lang="nl-NL"/>
           <a:t>Goeie communicatie tussen de klant en de developer is </a:t>
+        </a:r>
+      </a:p>
+    </p188:txBody>
+  </p188:cm>
+  <p188:cm id="{6604C8E0-6BF3-4147-A809-F4EBCE46F7C9}" authorId="{07B76DFC-1DF1-D28A-4C9D-D42BAFB63D87}" created="2022-07-06T17:28:33.465">
+    <ac:deMkLst xmlns:ac="http://schemas.microsoft.com/office/drawing/2013/main/command">
+      <pc:docMk xmlns:pc="http://schemas.microsoft.com/office/powerpoint/2013/main/command"/>
+      <pc:sldMk xmlns:pc="http://schemas.microsoft.com/office/powerpoint/2013/main/command" cId="1365861572" sldId="303"/>
+      <ac:spMk id="3" creationId="{A52E87C6-BCBA-B067-BE4C-9511D1B74D77}"/>
+    </ac:deMkLst>
+    <p188:txBody>
+      <a:bodyPr/>
+      <a:lstStyle/>
+      <a:p>
+        <a:r>
+          <a:rPr lang="en-US"/>
+          <a:t>Samen met de klant staps gewijst door de acceptatie test gegaan.</a:t>
+        </a:r>
+      </a:p>
+    </p188:txBody>
+  </p188:cm>
+  <p188:cm id="{FA163D44-4002-464A-960F-561986195673}" authorId="{07B76DFC-1DF1-D28A-4C9D-D42BAFB63D87}" created="2022-07-06T17:29:32.597">
+    <ac:txMkLst xmlns:ac="http://schemas.microsoft.com/office/drawing/2013/main/command">
+      <pc:docMk xmlns:pc="http://schemas.microsoft.com/office/powerpoint/2013/main/command"/>
+      <pc:sldMk xmlns:pc="http://schemas.microsoft.com/office/powerpoint/2013/main/command" cId="1365861572" sldId="303"/>
+      <ac:spMk id="3" creationId="{A52E87C6-BCBA-B067-BE4C-9511D1B74D77}"/>
+      <ac:txMk cp="56" len="13">
+        <ac:context len="95" hash="1933400474"/>
+      </ac:txMk>
+    </ac:txMkLst>
+    <p188:pos x="1325409" y="616145"/>
+    <p188:txBody>
+      <a:bodyPr/>
+      <a:lstStyle/>
+      <a:p>
+        <a:r>
+          <a:rPr lang="en-US"/>
+          <a:t>Erfgoedhandle al online gezet en weet dus al hoe dit moet vertel beetje over het process</a:t>
+        </a:r>
+      </a:p>
+    </p188:txBody>
+  </p188:cm>
+  <p188:cm id="{F954D850-7680-431A-BB52-68C21A8B54B5}" authorId="{07B76DFC-1DF1-D28A-4C9D-D42BAFB63D87}" created="2022-07-06T17:31:27.055">
+    <ac:txMkLst xmlns:ac="http://schemas.microsoft.com/office/drawing/2013/main/command">
+      <pc:docMk xmlns:pc="http://schemas.microsoft.com/office/powerpoint/2013/main/command"/>
+      <pc:sldMk xmlns:pc="http://schemas.microsoft.com/office/powerpoint/2013/main/command" cId="1365861572" sldId="303"/>
+      <ac:spMk id="3" creationId="{A52E87C6-BCBA-B067-BE4C-9511D1B74D77}"/>
+      <ac:txMk cp="71" len="22">
+        <ac:context len="95" hash="1933400474"/>
+      </ac:txMk>
+    </ac:txMkLst>
+    <p188:pos x="2268089" y="1106339"/>
+    <p188:txBody>
+      <a:bodyPr/>
+      <a:lstStyle/>
+      <a:p>
+        <a:r>
+          <a:rPr lang="en-US"/>
+          <a:t>Lage motivate, dit kwam wel weer terug en tegen het einden van mijn pvb ging alles een heel stuk beter ook met de communicatie. </a:t>
+        </a:r>
+      </a:p>
+    </p188:txBody>
+  </p188:cm>
+</p188:cmLst>
+</file>
+
+<file path=ppt/comments/modernComment_130_DA8ED048.xml><?xml version="1.0" encoding="utf-8"?>
+<p188:cmLst xmlns:a="http://schemas.openxmlformats.org/drawingml/2006/main" xmlns:r="http://schemas.openxmlformats.org/officeDocument/2006/relationships" xmlns:p188="http://schemas.microsoft.com/office/powerpoint/2018/8/main">
+  <p188:cm id="{28C741B7-C682-4AFB-AB87-72D0AFFC1750}" authorId="{07B76DFC-1DF1-D28A-4C9D-D42BAFB63D87}" created="2022-07-06T17:34:08.392">
+    <ac:txMkLst xmlns:ac="http://schemas.microsoft.com/office/drawing/2013/main/command">
+      <pc:docMk xmlns:pc="http://schemas.microsoft.com/office/powerpoint/2013/main/command"/>
+      <pc:sldMk xmlns:pc="http://schemas.microsoft.com/office/powerpoint/2013/main/command" cId="3666792520" sldId="304"/>
+      <ac:spMk id="3" creationId="{324367CD-F0F8-AA83-C7EE-6B1ECCCDFAFD}"/>
+      <ac:txMk cp="2" len="24">
+        <ac:context len="91" hash="3234488322"/>
+      </ac:txMk>
+    </ac:txMkLst>
+    <p188:pos x="2711149" y="267354"/>
+    <p188:txBody>
+      <a:bodyPr/>
+      <a:lstStyle/>
+      <a:p>
+        <a:r>
+          <a:rPr lang="en-US"/>
+          <a:t>Systeem testen en acceptie test ook ticketbeheer</a:t>
+        </a:r>
+      </a:p>
+    </p188:txBody>
+  </p188:cm>
+  <p188:cm id="{AB6A1A63-4F13-4ABC-AAC1-E4D5CA9CE5A9}" authorId="{07B76DFC-1DF1-D28A-4C9D-D42BAFB63D87}" created="2022-07-06T17:35:10.459">
+    <ac:deMkLst xmlns:ac="http://schemas.microsoft.com/office/drawing/2013/main/command">
+      <pc:docMk xmlns:pc="http://schemas.microsoft.com/office/powerpoint/2013/main/command"/>
+      <pc:sldMk xmlns:pc="http://schemas.microsoft.com/office/powerpoint/2013/main/command" cId="3666792520" sldId="304"/>
+      <ac:spMk id="3" creationId="{324367CD-F0F8-AA83-C7EE-6B1ECCCDFAFD}"/>
+    </ac:deMkLst>
+    <p188:txBody>
+      <a:bodyPr/>
+      <a:lstStyle/>
+      <a:p>
+        <a:r>
+          <a:rPr lang="en-US"/>
+          <a:t>Door de documentatie had ik veel hulp waardoor ik gemakkelijk de website aan kon passen</a:t>
+        </a:r>
+      </a:p>
+    </p188:txBody>
+  </p188:cm>
+  <p188:cm id="{8FBD27CB-A288-4A8B-A6D2-8350AF9E8B06}" authorId="{07B76DFC-1DF1-D28A-4C9D-D42BAFB63D87}" created="2022-07-06T17:37:12.149">
+    <ac:txMkLst xmlns:ac="http://schemas.microsoft.com/office/drawing/2013/main/command">
+      <pc:docMk xmlns:pc="http://schemas.microsoft.com/office/powerpoint/2013/main/command"/>
+      <pc:sldMk xmlns:pc="http://schemas.microsoft.com/office/powerpoint/2013/main/command" cId="3666792520" sldId="304"/>
+      <ac:spMk id="3" creationId="{324367CD-F0F8-AA83-C7EE-6B1ECCCDFAFD}"/>
+      <ac:txMk cp="27" len="32">
+        <ac:context len="91" hash="3234488322"/>
+      </ac:txMk>
+    </ac:txMkLst>
+    <p188:pos x="3700963" y="616145"/>
+    <p188:txBody>
+      <a:bodyPr/>
+      <a:lstStyle/>
+      <a:p>
+        <a:r>
+          <a:rPr lang="en-US"/>
+          <a:t>Omdat de website niet live staat is er weinig om te kunnen documenteren, in un normaal gevaal zoude de volgenden opgescheven moeten worden
+Databse inlog, admin panel inlog, website inlog en ftp inlog</a:t>
+        </a:r>
+      </a:p>
+    </p188:txBody>
+  </p188:cm>
+  <p188:cm id="{FDDBDEDD-358E-4C97-B137-48A37ED0C259}" authorId="{07B76DFC-1DF1-D28A-4C9D-D42BAFB63D87}" created="2022-07-06T17:37:35.897">
+    <ac:txMkLst xmlns:ac="http://schemas.microsoft.com/office/drawing/2013/main/command">
+      <pc:docMk xmlns:pc="http://schemas.microsoft.com/office/powerpoint/2013/main/command"/>
+      <pc:sldMk xmlns:pc="http://schemas.microsoft.com/office/powerpoint/2013/main/command" cId="3666792520" sldId="304"/>
+      <ac:spMk id="3" creationId="{324367CD-F0F8-AA83-C7EE-6B1ECCCDFAFD}"/>
+      <ac:txMk cp="27" len="32">
+        <ac:context len="91" hash="3234488322"/>
+      </ac:txMk>
+    </ac:txMkLst>
+    <p188:pos x="3700963" y="616145"/>
+    <p188:txBody>
+      <a:bodyPr/>
+      <a:lstStyle/>
+      <a:p>
+        <a:r>
+          <a:rPr lang="en-US"/>
+          <a:t>Terugkoppelen ging goed en heb vaak met de klant samen gezeten</a:t>
+        </a:r>
+      </a:p>
+    </p188:txBody>
+  </p188:cm>
+  <p188:cm id="{05F0B7C3-D3DC-4C53-8724-4E3D0A007178}" authorId="{07B76DFC-1DF1-D28A-4C9D-D42BAFB63D87}" created="2022-07-06T17:39:55.005">
+    <ac:deMkLst xmlns:ac="http://schemas.microsoft.com/office/drawing/2013/main/command">
+      <pc:docMk xmlns:pc="http://schemas.microsoft.com/office/powerpoint/2013/main/command"/>
+      <pc:sldMk xmlns:pc="http://schemas.microsoft.com/office/powerpoint/2013/main/command" cId="3666792520" sldId="304"/>
+      <ac:spMk id="3" creationId="{324367CD-F0F8-AA83-C7EE-6B1ECCCDFAFD}"/>
+    </ac:deMkLst>
+    <p188:txBody>
+      <a:bodyPr/>
+      <a:lstStyle/>
+      <a:p>
+        <a:r>
+          <a:rPr lang="en-US"/>
+          <a:t>Natuurlijk op het einden van een project wordt alles 3x naar gekeken en als er iets foutgaat, nogmaals 3x</a:t>
+        </a:r>
+      </a:p>
+    </p188:txBody>
+  </p188:cm>
+  <p188:cm id="{7B285E89-4B96-4861-B906-C648E9434D80}" authorId="{07B76DFC-1DF1-D28A-4C9D-D42BAFB63D87}" created="2022-07-06T17:42:38.199">
+    <pc:sldMkLst xmlns:pc="http://schemas.microsoft.com/office/powerpoint/2013/main/command">
+      <pc:docMk/>
+      <pc:sldMk cId="3666792520" sldId="304"/>
+    </pc:sldMkLst>
+    <p188:txBody>
+      <a:bodyPr/>
+      <a:lstStyle/>
+      <a:p>
+        <a:r>
+          <a:rPr lang="en-US"/>
+          <a:t>Versiebeheer werd met git gedaan ook heb ik een trello board die gelijk staat aan de moscow lijst</a:t>
         </a:r>
       </a:p>
     </p188:txBody>
@@ -413,7 +594,7 @@
           <a:p>
             <a:fld id="{52F12A55-89EF-4D97-84B6-AA372E9AD4A6}" type="slidenum">
               <a:rPr lang="nl-NL" smtClean="0"/>
-              <a:t>‹nr.›</a:t>
+              <a:t>‹#›</a:t>
             </a:fld>
             <a:endParaRPr lang="nl-NL" dirty="0"/>
           </a:p>
@@ -671,7 +852,7 @@
           <a:p>
             <a:fld id="{4394782C-002F-43DB-B3C7-CF1662067C42}" type="slidenum">
               <a:rPr lang="nl-NL" noProof="0" smtClean="0"/>
-              <a:t>‹nr.›</a:t>
+              <a:t>‹#›</a:t>
             </a:fld>
             <a:endParaRPr lang="nl-NL" noProof="0" dirty="0"/>
           </a:p>
@@ -1251,7 +1432,7 @@
             <a:pPr rtl="0"/>
             <a:fld id="{3A98EE3D-8CD1-4C3F-BD1C-C98C9596463C}" type="slidenum">
               <a:rPr lang="nl-NL" noProof="0" smtClean="0"/>
-              <a:t>‹nr.›</a:t>
+              <a:t>‹#›</a:t>
             </a:fld>
             <a:endParaRPr lang="nl-NL" noProof="0" dirty="0"/>
           </a:p>
@@ -1443,7 +1624,7 @@
             <a:pPr rtl="0"/>
             <a:fld id="{3A98EE3D-8CD1-4C3F-BD1C-C98C9596463C}" type="slidenum">
               <a:rPr lang="nl-NL" noProof="0" smtClean="0"/>
-              <a:t>‹nr.›</a:t>
+              <a:t>‹#›</a:t>
             </a:fld>
             <a:endParaRPr lang="nl-NL" noProof="0" dirty="0"/>
           </a:p>
@@ -1820,7 +2001,7 @@
             <a:pPr rtl="0"/>
             <a:fld id="{3A98EE3D-8CD1-4C3F-BD1C-C98C9596463C}" type="slidenum">
               <a:rPr lang="nl-NL" noProof="0" smtClean="0"/>
-              <a:t>‹nr.›</a:t>
+              <a:t>‹#›</a:t>
             </a:fld>
             <a:endParaRPr lang="nl-NL" noProof="0" dirty="0"/>
           </a:p>
@@ -2079,7 +2260,7 @@
             <a:pPr rtl="0"/>
             <a:fld id="{3A98EE3D-8CD1-4C3F-BD1C-C98C9596463C}" type="slidenum">
               <a:rPr lang="nl-NL" noProof="0" smtClean="0"/>
-              <a:t>‹nr.›</a:t>
+              <a:t>‹#›</a:t>
             </a:fld>
             <a:endParaRPr lang="nl-NL" noProof="0" dirty="0"/>
           </a:p>
@@ -2480,7 +2661,7 @@
             <a:pPr rtl="0"/>
             <a:fld id="{3A98EE3D-8CD1-4C3F-BD1C-C98C9596463C}" type="slidenum">
               <a:rPr lang="nl-NL" noProof="0" smtClean="0"/>
-              <a:t>‹nr.›</a:t>
+              <a:t>‹#›</a:t>
             </a:fld>
             <a:endParaRPr lang="nl-NL" noProof="0" dirty="0"/>
           </a:p>
@@ -2620,7 +2801,7 @@
             <a:pPr rtl="0"/>
             <a:fld id="{3A98EE3D-8CD1-4C3F-BD1C-C98C9596463C}" type="slidenum">
               <a:rPr lang="nl-NL" noProof="0" smtClean="0"/>
-              <a:t>‹nr.›</a:t>
+              <a:t>‹#›</a:t>
             </a:fld>
             <a:endParaRPr lang="nl-NL" noProof="0" dirty="0"/>
           </a:p>
@@ -2780,7 +2961,7 @@
             <a:pPr rtl="0"/>
             <a:fld id="{3A98EE3D-8CD1-4C3F-BD1C-C98C9596463C}" type="slidenum">
               <a:rPr lang="nl-NL" noProof="0" smtClean="0"/>
-              <a:t>‹nr.›</a:t>
+              <a:t>‹#›</a:t>
             </a:fld>
             <a:endParaRPr lang="nl-NL" noProof="0" dirty="0"/>
           </a:p>
@@ -3123,7 +3304,7 @@
             <a:fld id="{3A98EE3D-8CD1-4C3F-BD1C-C98C9596463C}" type="slidenum">
               <a:rPr lang="nl-NL" noProof="0" smtClean="0"/>
               <a:pPr rtl="0"/>
-              <a:t>‹nr.›</a:t>
+              <a:t>‹#›</a:t>
             </a:fld>
             <a:endParaRPr lang="nl-NL" noProof="0" dirty="0"/>
           </a:p>
@@ -3461,7 +3642,7 @@
             <a:pPr rtl="0"/>
             <a:fld id="{3A98EE3D-8CD1-4C3F-BD1C-C98C9596463C}" type="slidenum">
               <a:rPr lang="nl-NL" noProof="0" smtClean="0"/>
-              <a:t>‹nr.›</a:t>
+              <a:t>‹#›</a:t>
             </a:fld>
             <a:endParaRPr lang="nl-NL" noProof="0" dirty="0"/>
           </a:p>
@@ -3750,7 +3931,7 @@
             <a:pPr rtl="0"/>
             <a:fld id="{3A98EE3D-8CD1-4C3F-BD1C-C98C9596463C}" type="slidenum">
               <a:rPr lang="nl-NL" noProof="0" smtClean="0"/>
-              <a:t>‹nr.›</a:t>
+              <a:t>‹#›</a:t>
             </a:fld>
             <a:endParaRPr lang="nl-NL" noProof="0" dirty="0"/>
           </a:p>
@@ -4724,7 +4905,12 @@
             <p:ph idx="1"/>
           </p:nvPr>
         </p:nvSpPr>
-        <p:spPr/>
+        <p:spPr>
+          <a:xfrm>
+            <a:off x="1066800" y="2810506"/>
+            <a:ext cx="10058400" cy="3760891"/>
+          </a:xfrm>
+        </p:spPr>
         <p:txBody>
           <a:bodyPr/>
           <a:lstStyle/>
@@ -4801,7 +4987,7 @@
             </a:r>
             <a:r>
               <a:rPr lang="en-US" dirty="0"/>
-              <a:t> het product</a:t>
+              <a:t> het product.</a:t>
             </a:r>
           </a:p>
           <a:p>
@@ -4840,6 +5026,44 @@
             <a:r>
               <a:rPr lang="en-US" dirty="0"/>
               <a:t> product.</a:t>
+            </a:r>
+          </a:p>
+          <a:p>
+            <a:r>
+              <a:rPr lang="en-US" dirty="0"/>
+              <a:t>- </a:t>
+            </a:r>
+            <a:r>
+              <a:rPr lang="en-US" dirty="0" err="1"/>
+              <a:t>onderhoudt</a:t>
+            </a:r>
+            <a:r>
+              <a:rPr lang="en-US" dirty="0"/>
+              <a:t> </a:t>
+            </a:r>
+            <a:r>
+              <a:rPr lang="en-US" dirty="0" err="1"/>
+              <a:t>en</a:t>
+            </a:r>
+            <a:r>
+              <a:rPr lang="en-US" dirty="0"/>
+              <a:t> </a:t>
+            </a:r>
+            <a:r>
+              <a:rPr lang="en-US" dirty="0" err="1"/>
+              <a:t>beheert</a:t>
+            </a:r>
+            <a:r>
+              <a:rPr lang="en-US" dirty="0"/>
+              <a:t> de </a:t>
+            </a:r>
+            <a:r>
+              <a:rPr lang="en-US" dirty="0" err="1"/>
+              <a:t>applicatie</a:t>
+            </a:r>
+            <a:r>
+              <a:rPr lang="en-US" dirty="0"/>
+              <a:t>.</a:t>
             </a:r>
           </a:p>
           <a:p>
@@ -5043,6 +5267,10 @@
             <a:r>
               <a:rPr lang="en-US" dirty="0" err="1"/>
               <a:t>bronnen</a:t>
+            </a:r>
+            <a:r>
+              <a:rPr lang="en-US" dirty="0"/>
+              <a:t>.</a:t>
             </a:r>
             <a:endParaRPr lang="nl-NL" dirty="0"/>
           </a:p>
@@ -5135,7 +5363,7 @@
             </a:r>
             <a:r>
               <a:rPr lang="en-US" dirty="0"/>
-              <a:t> het product</a:t>
+              <a:t> het product.</a:t>
             </a:r>
             <a:endParaRPr lang="nl-NL" dirty="0"/>
           </a:p>
@@ -5379,7 +5607,12 @@
             <p:ph idx="1"/>
           </p:nvPr>
         </p:nvSpPr>
-        <p:spPr/>
+        <p:spPr>
+          <a:xfrm>
+            <a:off x="1163268" y="3097109"/>
+            <a:ext cx="10058400" cy="3760891"/>
+          </a:xfrm>
+        </p:spPr>
         <p:txBody>
           <a:bodyPr/>
           <a:lstStyle/>
@@ -5426,7 +5659,7 @@
             </a:r>
             <a:r>
               <a:rPr lang="en-US" dirty="0"/>
-              <a:t>.</a:t>
+              <a:t>..</a:t>
             </a:r>
           </a:p>
           <a:p>
@@ -5435,10 +5668,20 @@
               <a:t>- live </a:t>
             </a:r>
             <a:r>
-              <a:rPr lang="en-US"/>
+              <a:rPr lang="en-US" dirty="0" err="1"/>
               <a:t>zetten</a:t>
             </a:r>
-            <a:endParaRPr lang="nl-NL" dirty="0"/>
+            <a:r>
+              <a:rPr lang="en-US" dirty="0"/>
+              <a:t>.</a:t>
+            </a:r>
+          </a:p>
+          <a:p>
+            <a:r>
+              <a:rPr lang="nl-NL" dirty="0"/>
+              <a:t>- evuluatie project/ik.</a:t>
+            </a:r>
+            <a:endParaRPr lang="en-US" dirty="0"/>
           </a:p>
         </p:txBody>
       </p:sp>
@@ -5457,6 +5700,336 @@
       <p188:commentRel xmlns:p188="http://schemas.microsoft.com/office/powerpoint/2018/8/main" r:id="rId2"/>
     </p:ext>
   </p:extLst>
+</p:sld>
+</file>
+
+<file path=ppt/slides/slide6.xml><?xml version="1.0" encoding="utf-8"?>
+<p:sld xmlns:a="http://schemas.openxmlformats.org/drawingml/2006/main" xmlns:r="http://schemas.openxmlformats.org/officeDocument/2006/relationships" xmlns:p="http://schemas.openxmlformats.org/presentationml/2006/main">
+  <p:cSld>
+    <p:spTree>
+      <p:nvGrpSpPr>
+        <p:cNvPr id="1" name=""/>
+        <p:cNvGrpSpPr/>
+        <p:nvPr/>
+      </p:nvGrpSpPr>
+      <p:grpSpPr>
+        <a:xfrm>
+          <a:off x="0" y="0"/>
+          <a:ext cx="0" cy="0"/>
+          <a:chOff x="0" y="0"/>
+          <a:chExt cx="0" cy="0"/>
+        </a:xfrm>
+      </p:grpSpPr>
+      <p:sp>
+        <p:nvSpPr>
+          <p:cNvPr id="2" name="Title 1">
+            <a:extLst>
+              <a:ext uri="{FF2B5EF4-FFF2-40B4-BE49-F238E27FC236}">
+                <a16:creationId xmlns:a16="http://schemas.microsoft.com/office/drawing/2014/main" id="{6E2F6170-FC16-1D88-0782-E397799D88A6}"/>
+              </a:ext>
+            </a:extLst>
+          </p:cNvPr>
+          <p:cNvSpPr>
+            <a:spLocks noGrp="1"/>
+          </p:cNvSpPr>
+          <p:nvPr>
+            <p:ph type="title"/>
+          </p:nvPr>
+        </p:nvSpPr>
+        <p:spPr/>
+        <p:txBody>
+          <a:bodyPr/>
+          <a:lstStyle/>
+          <a:p>
+            <a:r>
+              <a:rPr lang="en-US" dirty="0" err="1"/>
+              <a:t>onderhoudt</a:t>
+            </a:r>
+            <a:r>
+              <a:rPr lang="en-US" dirty="0"/>
+              <a:t> </a:t>
+            </a:r>
+            <a:r>
+              <a:rPr lang="en-US" dirty="0" err="1"/>
+              <a:t>en</a:t>
+            </a:r>
+            <a:r>
+              <a:rPr lang="en-US" dirty="0"/>
+              <a:t> </a:t>
+            </a:r>
+            <a:r>
+              <a:rPr lang="en-US" dirty="0" err="1"/>
+              <a:t>beheert</a:t>
+            </a:r>
+            <a:r>
+              <a:rPr lang="en-US" dirty="0"/>
+              <a:t> de </a:t>
+            </a:r>
+            <a:r>
+              <a:rPr lang="en-US" dirty="0" err="1"/>
+              <a:t>applicatie</a:t>
+            </a:r>
+            <a:r>
+              <a:rPr lang="en-US" dirty="0"/>
+              <a:t>.</a:t>
+            </a:r>
+          </a:p>
+        </p:txBody>
+      </p:sp>
+      <p:sp>
+        <p:nvSpPr>
+          <p:cNvPr id="3" name="Content Placeholder 2">
+            <a:extLst>
+              <a:ext uri="{FF2B5EF4-FFF2-40B4-BE49-F238E27FC236}">
+                <a16:creationId xmlns:a16="http://schemas.microsoft.com/office/drawing/2014/main" id="{324367CD-F0F8-AA83-C7EE-6B1ECCCDFAFD}"/>
+              </a:ext>
+            </a:extLst>
+          </p:cNvPr>
+          <p:cNvSpPr>
+            <a:spLocks noGrp="1"/>
+          </p:cNvSpPr>
+          <p:nvPr>
+            <p:ph idx="1"/>
+          </p:nvPr>
+        </p:nvSpPr>
+        <p:spPr/>
+        <p:txBody>
+          <a:bodyPr/>
+          <a:lstStyle/>
+          <a:p>
+            <a:r>
+              <a:rPr lang="en-US" dirty="0"/>
+              <a:t>- </a:t>
+            </a:r>
+            <a:r>
+              <a:rPr lang="en-US" dirty="0" err="1"/>
+              <a:t>Incidenten</a:t>
+            </a:r>
+            <a:r>
+              <a:rPr lang="en-US" dirty="0"/>
+              <a:t> </a:t>
+            </a:r>
+            <a:r>
+              <a:rPr lang="en-US" dirty="0" err="1"/>
+              <a:t>en</a:t>
+            </a:r>
+            <a:r>
+              <a:rPr lang="en-US" dirty="0"/>
+              <a:t> </a:t>
+            </a:r>
+            <a:r>
+              <a:rPr lang="en-US" dirty="0" err="1"/>
+              <a:t>oplossing</a:t>
+            </a:r>
+            <a:r>
+              <a:rPr lang="en-US" dirty="0"/>
+              <a:t>.</a:t>
+            </a:r>
+          </a:p>
+          <a:p>
+            <a:r>
+              <a:rPr lang="en-US" dirty="0"/>
+              <a:t>- </a:t>
+            </a:r>
+            <a:r>
+              <a:rPr lang="en-US" dirty="0" err="1"/>
+              <a:t>Documenteren</a:t>
+            </a:r>
+            <a:r>
+              <a:rPr lang="en-US" dirty="0"/>
+              <a:t> </a:t>
+            </a:r>
+            <a:r>
+              <a:rPr lang="en-US" dirty="0" err="1"/>
+              <a:t>en</a:t>
+            </a:r>
+            <a:r>
+              <a:rPr lang="en-US" dirty="0"/>
+              <a:t> </a:t>
+            </a:r>
+            <a:r>
+              <a:rPr lang="en-US" dirty="0" err="1"/>
+              <a:t>terugkoppelen</a:t>
+            </a:r>
+            <a:r>
+              <a:rPr lang="en-US" dirty="0"/>
+              <a:t>.</a:t>
+            </a:r>
+          </a:p>
+          <a:p>
+            <a:r>
+              <a:rPr lang="en-US" dirty="0"/>
+              <a:t>- </a:t>
+            </a:r>
+            <a:r>
+              <a:rPr lang="en-US" dirty="0" err="1"/>
+              <a:t>Controleren</a:t>
+            </a:r>
+            <a:r>
+              <a:rPr lang="en-US" dirty="0"/>
+              <a:t> </a:t>
+            </a:r>
+            <a:r>
+              <a:rPr lang="en-US" dirty="0" err="1"/>
+              <a:t>en</a:t>
+            </a:r>
+            <a:r>
+              <a:rPr lang="en-US" dirty="0"/>
+              <a:t> </a:t>
+            </a:r>
+            <a:r>
+              <a:rPr lang="en-US" dirty="0" err="1"/>
+              <a:t>versiebeheer</a:t>
+            </a:r>
+            <a:r>
+              <a:rPr lang="en-US" dirty="0"/>
+              <a:t>.</a:t>
+            </a:r>
+          </a:p>
+        </p:txBody>
+      </p:sp>
+    </p:spTree>
+    <p:extLst>
+      <p:ext uri="{BB962C8B-B14F-4D97-AF65-F5344CB8AC3E}">
+        <p14:creationId xmlns:p14="http://schemas.microsoft.com/office/powerpoint/2010/main" val="3666792520"/>
+      </p:ext>
+    </p:extLst>
+  </p:cSld>
+  <p:clrMapOvr>
+    <a:masterClrMapping/>
+  </p:clrMapOvr>
+  <p:extLst>
+    <p:ext uri="{6950BFC3-D8DA-4A85-94F7-54DA5524770B}">
+      <p188:commentRel xmlns:p188="http://schemas.microsoft.com/office/powerpoint/2018/8/main" r:id="rId2"/>
+    </p:ext>
+  </p:extLst>
+</p:sld>
+</file>
+
+<file path=ppt/slides/slide7.xml><?xml version="1.0" encoding="utf-8"?>
+<p:sld xmlns:a="http://schemas.openxmlformats.org/drawingml/2006/main" xmlns:r="http://schemas.openxmlformats.org/officeDocument/2006/relationships" xmlns:p="http://schemas.openxmlformats.org/presentationml/2006/main">
+  <p:cSld>
+    <p:spTree>
+      <p:nvGrpSpPr>
+        <p:cNvPr id="1" name=""/>
+        <p:cNvGrpSpPr/>
+        <p:nvPr/>
+      </p:nvGrpSpPr>
+      <p:grpSpPr>
+        <a:xfrm>
+          <a:off x="0" y="0"/>
+          <a:ext cx="0" cy="0"/>
+          <a:chOff x="0" y="0"/>
+          <a:chExt cx="0" cy="0"/>
+        </a:xfrm>
+      </p:grpSpPr>
+      <p:sp>
+        <p:nvSpPr>
+          <p:cNvPr id="2" name="Title 1">
+            <a:extLst>
+              <a:ext uri="{FF2B5EF4-FFF2-40B4-BE49-F238E27FC236}">
+                <a16:creationId xmlns:a16="http://schemas.microsoft.com/office/drawing/2014/main" id="{90E5CF9E-422E-1F05-D46B-93A6511C98E5}"/>
+              </a:ext>
+            </a:extLst>
+          </p:cNvPr>
+          <p:cNvSpPr>
+            <a:spLocks noGrp="1"/>
+          </p:cNvSpPr>
+          <p:nvPr>
+            <p:ph type="title"/>
+          </p:nvPr>
+        </p:nvSpPr>
+        <p:spPr/>
+        <p:txBody>
+          <a:bodyPr/>
+          <a:lstStyle/>
+          <a:p>
+            <a:r>
+              <a:rPr lang="en-US" dirty="0" err="1"/>
+              <a:t>Vragen</a:t>
+            </a:r>
+            <a:r>
+              <a:rPr lang="en-US" dirty="0"/>
+              <a:t> </a:t>
+            </a:r>
+            <a:r>
+              <a:rPr lang="en-US" dirty="0" err="1"/>
+              <a:t>en</a:t>
+            </a:r>
+            <a:r>
+              <a:rPr lang="en-US" dirty="0"/>
+              <a:t> </a:t>
+            </a:r>
+            <a:r>
+              <a:rPr lang="en-US" dirty="0" err="1"/>
+              <a:t>demonstratie</a:t>
+            </a:r>
+            <a:r>
+              <a:rPr lang="en-US" dirty="0"/>
+              <a:t>?</a:t>
+            </a:r>
+          </a:p>
+        </p:txBody>
+      </p:sp>
+      <p:pic>
+        <p:nvPicPr>
+          <p:cNvPr id="1026" name="Picture 2" descr="3d Witte Mens En Rode Questionmark Stock Illustratie - Illustration of  onderhoud, rood: 68105896">
+            <a:extLst>
+              <a:ext uri="{FF2B5EF4-FFF2-40B4-BE49-F238E27FC236}">
+                <a16:creationId xmlns:a16="http://schemas.microsoft.com/office/drawing/2014/main" id="{360B4524-F9CE-CAE3-99BA-6870E21DF861}"/>
+              </a:ext>
+            </a:extLst>
+          </p:cNvPr>
+          <p:cNvPicPr>
+            <a:picLocks noGrp="1" noChangeAspect="1" noChangeArrowheads="1"/>
+          </p:cNvPicPr>
+          <p:nvPr>
+            <p:ph idx="1"/>
+          </p:nvPr>
+        </p:nvPicPr>
+        <p:blipFill>
+          <a:blip r:embed="rId2">
+            <a:extLst>
+              <a:ext uri="{28A0092B-C50C-407E-A947-70E740481C1C}">
+                <a14:useLocalDpi xmlns:a14="http://schemas.microsoft.com/office/drawing/2010/main" val="0"/>
+              </a:ext>
+            </a:extLst>
+          </a:blip>
+          <a:srcRect/>
+          <a:stretch>
+            <a:fillRect/>
+          </a:stretch>
+        </p:blipFill>
+        <p:spPr bwMode="auto">
+          <a:xfrm>
+            <a:off x="7656945" y="2101920"/>
+            <a:ext cx="4084927" cy="4084927"/>
+          </a:xfrm>
+          <a:prstGeom prst="rect">
+            <a:avLst/>
+          </a:prstGeom>
+          <a:noFill/>
+          <a:extLst>
+            <a:ext uri="{909E8E84-426E-40DD-AFC4-6F175D3DCCD1}">
+              <a14:hiddenFill xmlns:a14="http://schemas.microsoft.com/office/drawing/2010/main">
+                <a:solidFill>
+                  <a:srgbClr val="FFFFFF"/>
+                </a:solidFill>
+              </a14:hiddenFill>
+            </a:ext>
+          </a:extLst>
+        </p:spPr>
+      </p:pic>
+    </p:spTree>
+    <p:extLst>
+      <p:ext uri="{BB962C8B-B14F-4D97-AF65-F5344CB8AC3E}">
+        <p14:creationId xmlns:p14="http://schemas.microsoft.com/office/powerpoint/2010/main" val="4244646046"/>
+      </p:ext>
+    </p:extLst>
+  </p:cSld>
+  <p:clrMapOvr>
+    <a:masterClrMapping/>
+  </p:clrMapOvr>
 </p:sld>
 </file>
 
@@ -6361,6 +6934,15 @@
 </file>
 
 <file path=customXml/item2.xml><?xml version="1.0" encoding="utf-8"?>
+<p:properties xmlns:p="http://schemas.microsoft.com/office/2006/metadata/properties" xmlns:xsi="http://www.w3.org/2001/XMLSchema-instance" xmlns:pc="http://schemas.microsoft.com/office/infopath/2007/PartnerControls">
+  <documentManagement>
+    <Status xmlns="71af3243-3dd4-4a8d-8c0d-dd76da1f02a5">Not started</Status>
+    <MediaServiceKeyPoints xmlns="71af3243-3dd4-4a8d-8c0d-dd76da1f02a5" xsi:nil="true"/>
+  </documentManagement>
+</p:properties>
+</file>
+
+<file path=customXml/item3.xml><?xml version="1.0" encoding="utf-8"?>
 <ct:contentTypeSchema xmlns:ct="http://schemas.microsoft.com/office/2006/metadata/contentType" xmlns:ma="http://schemas.microsoft.com/office/2006/metadata/properties/metaAttributes" ct:_="" ma:_="" ma:contentTypeName="Document" ma:contentTypeID="0x01010079F111ED35F8CC479449609E8A0923A6" ma:contentTypeVersion="12" ma:contentTypeDescription="Create a new document." ma:contentTypeScope="" ma:versionID="a410dd7f93c95333ffa1b60ed6adedd1">
   <xsd:schema xmlns:xsd="http://www.w3.org/2001/XMLSchema" xmlns:xs="http://www.w3.org/2001/XMLSchema" xmlns:p="http://schemas.microsoft.com/office/2006/metadata/properties" xmlns:ns2="71af3243-3dd4-4a8d-8c0d-dd76da1f02a5" xmlns:ns3="16c05727-aa75-4e4a-9b5f-8a80a1165891" targetNamespace="http://schemas.microsoft.com/office/2006/metadata/properties" ma:root="true" ma:fieldsID="a936d9baba76aa3866493feff160faab" ns2:_="" ns3:_="">
     <xsd:import namespace="71af3243-3dd4-4a8d-8c0d-dd76da1f02a5"/>
@@ -6581,15 +7163,6 @@
 </ct:contentTypeSchema>
 </file>
 
-<file path=customXml/item3.xml><?xml version="1.0" encoding="utf-8"?>
-<p:properties xmlns:p="http://schemas.microsoft.com/office/2006/metadata/properties" xmlns:xsi="http://www.w3.org/2001/XMLSchema-instance" xmlns:pc="http://schemas.microsoft.com/office/infopath/2007/PartnerControls">
-  <documentManagement>
-    <Status xmlns="71af3243-3dd4-4a8d-8c0d-dd76da1f02a5">Not started</Status>
-    <MediaServiceKeyPoints xmlns="71af3243-3dd4-4a8d-8c0d-dd76da1f02a5" xsi:nil="true"/>
-  </documentManagement>
-</p:properties>
-</file>
-
 <file path=customXml/itemProps1.xml><?xml version="1.0" encoding="utf-8"?>
 <ds:datastoreItem xmlns:ds="http://schemas.openxmlformats.org/officeDocument/2006/customXml" ds:itemID="{AA3F7EDC-E5B4-4BBC-9D2A-CBE6D46C37AD}">
   <ds:schemaRefs>
@@ -6599,6 +7172,16 @@
 </file>
 
 <file path=customXml/itemProps2.xml><?xml version="1.0" encoding="utf-8"?>
+<ds:datastoreItem xmlns:ds="http://schemas.openxmlformats.org/officeDocument/2006/customXml" ds:itemID="{A03EEFF0-FB57-4CB4-8BFC-DF397689E2ED}">
+  <ds:schemaRefs>
+    <ds:schemaRef ds:uri="http://schemas.microsoft.com/office/2006/metadata/properties"/>
+    <ds:schemaRef ds:uri="http://schemas.microsoft.com/office/infopath/2007/PartnerControls"/>
+    <ds:schemaRef ds:uri="71af3243-3dd4-4a8d-8c0d-dd76da1f02a5"/>
+  </ds:schemaRefs>
+</ds:datastoreItem>
+</file>
+
+<file path=customXml/itemProps3.xml><?xml version="1.0" encoding="utf-8"?>
 <ds:datastoreItem xmlns:ds="http://schemas.openxmlformats.org/officeDocument/2006/customXml" ds:itemID="{93932EF5-314F-409E-8020-FEE5FA0795B9}">
   <ds:schemaRefs>
     <ds:schemaRef ds:uri="http://schemas.microsoft.com/office/2006/metadata/contentType"/>
@@ -6615,14 +7198,4 @@
     <ds:schemaRef ds:uri="http://schemas.microsoft.com/internal/obd"/>
   </ds:schemaRefs>
 </ds:datastoreItem>
-</file>
-
-<file path=customXml/itemProps3.xml><?xml version="1.0" encoding="utf-8"?>
-<ds:datastoreItem xmlns:ds="http://schemas.openxmlformats.org/officeDocument/2006/customXml" ds:itemID="{A03EEFF0-FB57-4CB4-8BFC-DF397689E2ED}">
-  <ds:schemaRefs>
-    <ds:schemaRef ds:uri="http://schemas.microsoft.com/office/2006/metadata/properties"/>
-    <ds:schemaRef ds:uri="http://schemas.microsoft.com/office/infopath/2007/PartnerControls"/>
-    <ds:schemaRef ds:uri="71af3243-3dd4-4a8d-8c0d-dd76da1f02a5"/>
-  </ds:schemaRefs>
-</ds:datastoreItem>
 </file>